--- a/reports/Report.pptx
+++ b/reports/Report.pptx
@@ -215,7 +215,7 @@
           <a:p>
             <a:fld id="{74692523-F397-4340-B4E5-BE191A905504}" type="datetimeFigureOut">
               <a:rPr lang="en-FI" smtClean="0"/>
-              <a:t>21/01/2025</a:t>
+              <a:t>25/01/2025</a:t>
             </a:fld>
             <a:endParaRPr lang="en-FI"/>
           </a:p>
@@ -753,7 +753,7 @@
           <a:p>
             <a:fld id="{241EB5C9-1307-BA42-ABA2-0BC069CD8E7F}" type="datetimeFigureOut">
               <a:rPr lang="en-US" smtClean="0"/>
-              <a:t>1/21/2025</a:t>
+              <a:t>1/25/2025</a:t>
             </a:fld>
             <a:endParaRPr lang="en-US"/>
           </a:p>
@@ -1028,7 +1028,7 @@
           <a:p>
             <a:fld id="{241EB5C9-1307-BA42-ABA2-0BC069CD8E7F}" type="datetimeFigureOut">
               <a:rPr lang="en-US" smtClean="0"/>
-              <a:t>1/21/2025</a:t>
+              <a:t>1/25/2025</a:t>
             </a:fld>
             <a:endParaRPr lang="en-US"/>
           </a:p>
@@ -1222,7 +1222,7 @@
           <a:p>
             <a:fld id="{241EB5C9-1307-BA42-ABA2-0BC069CD8E7F}" type="datetimeFigureOut">
               <a:rPr lang="en-US" smtClean="0"/>
-              <a:t>1/21/2025</a:t>
+              <a:t>1/25/2025</a:t>
             </a:fld>
             <a:endParaRPr lang="en-US"/>
           </a:p>
@@ -1495,7 +1495,7 @@
           <a:p>
             <a:fld id="{241EB5C9-1307-BA42-ABA2-0BC069CD8E7F}" type="datetimeFigureOut">
               <a:rPr lang="en-US" smtClean="0"/>
-              <a:t>1/21/2025</a:t>
+              <a:t>1/25/2025</a:t>
             </a:fld>
             <a:endParaRPr lang="en-US"/>
           </a:p>
@@ -1836,7 +1836,7 @@
           <a:p>
             <a:fld id="{241EB5C9-1307-BA42-ABA2-0BC069CD8E7F}" type="datetimeFigureOut">
               <a:rPr lang="en-US" smtClean="0"/>
-              <a:t>1/21/2025</a:t>
+              <a:t>1/25/2025</a:t>
             </a:fld>
             <a:endParaRPr lang="en-US"/>
           </a:p>
@@ -2459,7 +2459,7 @@
           <a:p>
             <a:fld id="{241EB5C9-1307-BA42-ABA2-0BC069CD8E7F}" type="datetimeFigureOut">
               <a:rPr lang="en-US" smtClean="0"/>
-              <a:t>1/21/2025</a:t>
+              <a:t>1/25/2025</a:t>
             </a:fld>
             <a:endParaRPr lang="en-US"/>
           </a:p>
@@ -3319,7 +3319,7 @@
           <a:p>
             <a:fld id="{241EB5C9-1307-BA42-ABA2-0BC069CD8E7F}" type="datetimeFigureOut">
               <a:rPr lang="en-US" smtClean="0"/>
-              <a:t>1/21/2025</a:t>
+              <a:t>1/25/2025</a:t>
             </a:fld>
             <a:endParaRPr lang="en-US"/>
           </a:p>
@@ -3489,7 +3489,7 @@
           <a:p>
             <a:fld id="{241EB5C9-1307-BA42-ABA2-0BC069CD8E7F}" type="datetimeFigureOut">
               <a:rPr lang="en-US" smtClean="0"/>
-              <a:t>1/21/2025</a:t>
+              <a:t>1/25/2025</a:t>
             </a:fld>
             <a:endParaRPr lang="en-US"/>
           </a:p>
@@ -3669,7 +3669,7 @@
           <a:p>
             <a:fld id="{241EB5C9-1307-BA42-ABA2-0BC069CD8E7F}" type="datetimeFigureOut">
               <a:rPr lang="en-US" smtClean="0"/>
-              <a:t>1/21/2025</a:t>
+              <a:t>1/25/2025</a:t>
             </a:fld>
             <a:endParaRPr lang="en-US"/>
           </a:p>
@@ -3839,7 +3839,7 @@
           <a:p>
             <a:fld id="{241EB5C9-1307-BA42-ABA2-0BC069CD8E7F}" type="datetimeFigureOut">
               <a:rPr lang="en-US" smtClean="0"/>
-              <a:t>1/21/2025</a:t>
+              <a:t>1/25/2025</a:t>
             </a:fld>
             <a:endParaRPr lang="en-US"/>
           </a:p>
@@ -4086,7 +4086,7 @@
           <a:p>
             <a:fld id="{241EB5C9-1307-BA42-ABA2-0BC069CD8E7F}" type="datetimeFigureOut">
               <a:rPr lang="en-US" smtClean="0"/>
-              <a:t>1/21/2025</a:t>
+              <a:t>1/25/2025</a:t>
             </a:fld>
             <a:endParaRPr lang="en-US"/>
           </a:p>
@@ -4378,7 +4378,7 @@
           <a:p>
             <a:fld id="{241EB5C9-1307-BA42-ABA2-0BC069CD8E7F}" type="datetimeFigureOut">
               <a:rPr lang="en-US" smtClean="0"/>
-              <a:t>1/21/2025</a:t>
+              <a:t>1/25/2025</a:t>
             </a:fld>
             <a:endParaRPr lang="en-US"/>
           </a:p>
@@ -4822,7 +4822,7 @@
           <a:p>
             <a:fld id="{241EB5C9-1307-BA42-ABA2-0BC069CD8E7F}" type="datetimeFigureOut">
               <a:rPr lang="en-US" smtClean="0"/>
-              <a:t>1/21/2025</a:t>
+              <a:t>1/25/2025</a:t>
             </a:fld>
             <a:endParaRPr lang="en-US"/>
           </a:p>
@@ -4940,7 +4940,7 @@
           <a:p>
             <a:fld id="{241EB5C9-1307-BA42-ABA2-0BC069CD8E7F}" type="datetimeFigureOut">
               <a:rPr lang="en-US" smtClean="0"/>
-              <a:t>1/21/2025</a:t>
+              <a:t>1/25/2025</a:t>
             </a:fld>
             <a:endParaRPr lang="en-US"/>
           </a:p>
@@ -5035,7 +5035,7 @@
           <a:p>
             <a:fld id="{241EB5C9-1307-BA42-ABA2-0BC069CD8E7F}" type="datetimeFigureOut">
               <a:rPr lang="en-US" smtClean="0"/>
-              <a:t>1/21/2025</a:t>
+              <a:t>1/25/2025</a:t>
             </a:fld>
             <a:endParaRPr lang="en-US"/>
           </a:p>
@@ -5314,7 +5314,7 @@
           <a:p>
             <a:fld id="{241EB5C9-1307-BA42-ABA2-0BC069CD8E7F}" type="datetimeFigureOut">
               <a:rPr lang="en-US" smtClean="0"/>
-              <a:t>1/21/2025</a:t>
+              <a:t>1/25/2025</a:t>
             </a:fld>
             <a:endParaRPr lang="en-US"/>
           </a:p>
@@ -5589,7 +5589,7 @@
           <a:p>
             <a:fld id="{241EB5C9-1307-BA42-ABA2-0BC069CD8E7F}" type="datetimeFigureOut">
               <a:rPr lang="en-US" smtClean="0"/>
-              <a:t>1/21/2025</a:t>
+              <a:t>1/25/2025</a:t>
             </a:fld>
             <a:endParaRPr lang="en-US"/>
           </a:p>
@@ -6018,7 +6018,7 @@
           <a:p>
             <a:fld id="{241EB5C9-1307-BA42-ABA2-0BC069CD8E7F}" type="datetimeFigureOut">
               <a:rPr lang="en-US" smtClean="0"/>
-              <a:t>1/21/2025</a:t>
+              <a:t>1/25/2025</a:t>
             </a:fld>
             <a:endParaRPr lang="en-US"/>
           </a:p>
@@ -9050,7 +9050,7 @@
                   <a:srgbClr val="EBEBEB"/>
                 </a:solidFill>
               </a:rPr>
-              <a:t>Outlier-cleaned time series on this slide show visible correlations of courier number with temperature and precipitation</a:t>
+              <a:t>Outlier-cleaned time series on this slide show visible correlations of “number of couriers” with temperature and precipitation. There is also a linear growing trend with time, probably due to the growing popularity of courier service.</a:t>
             </a:r>
           </a:p>
           <a:p>
@@ -9107,7 +9107,7 @@
       </p:grpSpPr>
       <p:pic>
         <p:nvPicPr>
-          <p:cNvPr id="67" name="Picture 66">
+          <p:cNvPr id="90" name="Picture 89">
             <a:extLst>
               <a:ext uri="{FF2B5EF4-FFF2-40B4-BE49-F238E27FC236}">
                 <a16:creationId xmlns:a16="http://schemas.microsoft.com/office/drawing/2014/main" id="{41B68C77-138E-4BF7-A276-BD0C78A4219F}"/>
@@ -9151,7 +9151,7 @@
       </p:pic>
       <p:pic>
         <p:nvPicPr>
-          <p:cNvPr id="69" name="Picture 68">
+          <p:cNvPr id="92" name="Picture 91">
             <a:extLst>
               <a:ext uri="{FF2B5EF4-FFF2-40B4-BE49-F238E27FC236}">
                 <a16:creationId xmlns:a16="http://schemas.microsoft.com/office/drawing/2014/main" id="{7C268552-D473-46ED-B1B8-422042C4DEF1}"/>
@@ -9195,7 +9195,7 @@
       </p:pic>
       <p:sp>
         <p:nvSpPr>
-          <p:cNvPr id="71" name="Oval 70">
+          <p:cNvPr id="94" name="Oval 93">
             <a:extLst>
               <a:ext uri="{FF2B5EF4-FFF2-40B4-BE49-F238E27FC236}">
                 <a16:creationId xmlns:a16="http://schemas.microsoft.com/office/drawing/2014/main" id="{4AC0CD9D-7610-4620-93B4-798CCD9AB581}"/>
@@ -9282,7 +9282,7 @@
       </p:sp>
       <p:pic>
         <p:nvPicPr>
-          <p:cNvPr id="73" name="Picture 72">
+          <p:cNvPr id="96" name="Picture 95">
             <a:extLst>
               <a:ext uri="{FF2B5EF4-FFF2-40B4-BE49-F238E27FC236}">
                 <a16:creationId xmlns:a16="http://schemas.microsoft.com/office/drawing/2014/main" id="{B9238B3E-24AA-439A-B527-6C5DF6D72145}"/>
@@ -9326,7 +9326,7 @@
       </p:pic>
       <p:pic>
         <p:nvPicPr>
-          <p:cNvPr id="75" name="Picture 74">
+          <p:cNvPr id="98" name="Picture 97">
             <a:extLst>
               <a:ext uri="{FF2B5EF4-FFF2-40B4-BE49-F238E27FC236}">
                 <a16:creationId xmlns:a16="http://schemas.microsoft.com/office/drawing/2014/main" id="{69F01145-BEA3-4CBF-AA21-10077B948CA8}"/>
@@ -9370,7 +9370,7 @@
       </p:pic>
       <p:sp>
         <p:nvSpPr>
-          <p:cNvPr id="77" name="Rectangle 76">
+          <p:cNvPr id="100" name="Rectangle 99">
             <a:extLst>
               <a:ext uri="{FF2B5EF4-FFF2-40B4-BE49-F238E27FC236}">
                 <a16:creationId xmlns:a16="http://schemas.microsoft.com/office/drawing/2014/main" id="{DE4D62F9-188E-4530-84C2-24BDEE4BEB82}"/>
@@ -9430,7 +9430,7 @@
       </p:sp>
       <p:sp>
         <p:nvSpPr>
-          <p:cNvPr id="79" name="Rectangle 78">
+          <p:cNvPr id="102" name="Rectangle 101">
             <a:extLst>
               <a:ext uri="{FF2B5EF4-FFF2-40B4-BE49-F238E27FC236}">
                 <a16:creationId xmlns:a16="http://schemas.microsoft.com/office/drawing/2014/main" id="{B4AAD3FD-83A5-4B89-9F8F-01B8870865BE}"/>
@@ -9531,7 +9531,7 @@
       </p:sp>
       <p:sp>
         <p:nvSpPr>
-          <p:cNvPr id="81" name="Freeform 31">
+          <p:cNvPr id="104" name="Freeform 31">
             <a:extLst>
               <a:ext uri="{FF2B5EF4-FFF2-40B4-BE49-F238E27FC236}">
                 <a16:creationId xmlns:a16="http://schemas.microsoft.com/office/drawing/2014/main" id="{61752F1D-FC0F-4103-9584-630E643CCDA6}"/>
@@ -9883,7 +9883,7 @@
       </p:sp>
       <p:sp useBgFill="1">
         <p:nvSpPr>
-          <p:cNvPr id="83" name="Freeform: Shape 82">
+          <p:cNvPr id="106" name="Freeform: Shape 105">
             <a:extLst>
               <a:ext uri="{FF2B5EF4-FFF2-40B4-BE49-F238E27FC236}">
                 <a16:creationId xmlns:a16="http://schemas.microsoft.com/office/drawing/2014/main" id="{70151CB7-E7DE-4917-B831-01DF9CE01306}"/>
@@ -10353,9 +10353,15 @@
       </p:sp>
       <p:pic>
         <p:nvPicPr>
-          <p:cNvPr id="5" name="Picture 1" descr="Figure 2: Correlation matrix  figures/CorrelationHeatMap.png"/>
+          <p:cNvPr id="6" name="Picture 5" descr="A screenshot of a graph&#10;&#10;Description automatically generated">
+            <a:extLst>
+              <a:ext uri="{FF2B5EF4-FFF2-40B4-BE49-F238E27FC236}">
+                <a16:creationId xmlns:a16="http://schemas.microsoft.com/office/drawing/2014/main" id="{98DC2BC6-AA91-BA00-3207-7D7348CADA94}"/>
+              </a:ext>
+            </a:extLst>
+          </p:cNvPr>
           <p:cNvPicPr>
-            <a:picLocks noGrp="1" noChangeAspect="1"/>
+            <a:picLocks noChangeAspect="1"/>
           </p:cNvPicPr>
           <p:nvPr/>
         </p:nvPicPr>
@@ -10365,21 +10371,20 @@
             <a:fillRect/>
           </a:stretch>
         </p:blipFill>
-        <p:spPr bwMode="auto">
+        <p:spPr>
           <a:xfrm>
-            <a:off x="4175381" y="977656"/>
-            <a:ext cx="4691033" cy="3659006"/>
+            <a:off x="4306546" y="1142048"/>
+            <a:ext cx="4588565" cy="3429952"/>
           </a:xfrm>
           <a:prstGeom prst="rect">
             <a:avLst/>
           </a:prstGeom>
-          <a:noFill/>
           <a:effectLst/>
         </p:spPr>
       </p:pic>
       <p:sp>
         <p:nvSpPr>
-          <p:cNvPr id="85" name="Rectangle 84">
+          <p:cNvPr id="108" name="Rectangle 107">
             <a:extLst>
               <a:ext uri="{FF2B5EF4-FFF2-40B4-BE49-F238E27FC236}">
                 <a16:creationId xmlns:a16="http://schemas.microsoft.com/office/drawing/2014/main" id="{A92A1116-1C84-41DF-B803-1F7B0883EC82}"/>
@@ -10437,8 +10442,8 @@
           </a:p>
         </p:txBody>
       </p:sp>
-      <mc:AlternateContent xmlns:mc="http://schemas.openxmlformats.org/markup-compatibility/2006" xmlns:a14="http://schemas.microsoft.com/office/drawing/2010/main">
-        <mc:Choice Requires="a14">
+      <mc:AlternateContent xmlns:mc="http://schemas.openxmlformats.org/markup-compatibility/2006">
+        <mc:Choice xmlns:a14="http://schemas.microsoft.com/office/drawing/2010/main" Requires="a14">
           <p:sp>
             <p:nvSpPr>
               <p:cNvPr id="4" name="Text Placeholder 3"/>
@@ -10553,7 +10558,7 @@
                       <a:srgbClr val="EBEBEB"/>
                     </a:solidFill>
                   </a:rPr>
-                  <a:t>’ is with ‘temperature’, and then with ‘precipitation’. </a:t>
+                  <a:t>’ is with ‘date’, ‘temperature’, and then with ‘precipitation’.  </a:t>
                 </a:r>
               </a:p>
               <a:p>
@@ -10570,13 +10575,13 @@
                       <a:srgbClr val="EBEBEB"/>
                     </a:solidFill>
                   </a:rPr>
-                  <a:t> Correlation with ‘humidity’ is also large.  However, ‘humidity’ is almost deterministically correlated with ‘precipitation’.  It should not add new prediction power. </a:t>
+                  <a:t> Correlation with ‘humidity’ is also large.  However, ‘humidity’ is almost deterministically correlated with ‘temperature’.  It should not add new prediction power. </a:t>
                 </a:r>
               </a:p>
             </p:txBody>
           </p:sp>
         </mc:Choice>
-        <mc:Fallback xmlns="">
+        <mc:Fallback>
           <p:sp>
             <p:nvSpPr>
               <p:cNvPr id="4" name="Text Placeholder 3"/>
@@ -10595,7 +10600,7 @@
               <a:blipFill>
                 <a:blip r:embed="rId8"/>
                 <a:stretch>
-                  <a:fillRect r="-586"/>
+                  <a:fillRect/>
                 </a:stretch>
               </a:blipFill>
             </p:spPr>
@@ -11654,8 +11659,8 @@
         </p:nvSpPr>
         <p:spPr>
           <a:xfrm>
-            <a:off x="3903081" y="1234440"/>
-            <a:ext cx="4439628" cy="3353115"/>
+            <a:off x="3743184" y="781409"/>
+            <a:ext cx="5077633" cy="4587227"/>
           </a:xfrm>
         </p:spPr>
         <p:txBody>
@@ -11671,6 +11676,9 @@
               <a:spcBef>
                 <a:spcPts val="3000"/>
               </a:spcBef>
+              <a:buClr>
+                <a:schemeClr val="tx1"/>
+              </a:buClr>
             </a:pPr>
             <a:r>
               <a:rPr lang="en-GB" sz="1100" b="1" dirty="0"/>
@@ -11706,11 +11714,23 @@
             </a:r>
             <a:r>
               <a:rPr lang="en-GB" sz="1100" dirty="0"/>
-              <a:t>’) for the next day based on the historical values available up to day </a:t>
+              <a:t>’) for the next day </a:t>
+            </a:r>
+            <a:r>
+              <a:rPr lang="en-GB" sz="1100" i="1" dirty="0"/>
+              <a:t>i+1</a:t>
+            </a:r>
+            <a:r>
+              <a:rPr lang="en-GB" sz="1100" dirty="0"/>
+              <a:t> based on the historical values available up to day </a:t>
             </a:r>
             <a:r>
               <a:rPr lang="en-GB" sz="1100" i="1" dirty="0" err="1"/>
               <a:t>i</a:t>
+            </a:r>
+            <a:r>
+              <a:rPr lang="en-GB" sz="1100" i="1" dirty="0"/>
+              <a:t>.</a:t>
             </a:r>
             <a:endParaRPr lang="en-GB" sz="1100" b="1" i="1" dirty="0"/>
           </a:p>
@@ -11719,6 +11739,9 @@
               <a:lnSpc>
                 <a:spcPct val="90000"/>
               </a:lnSpc>
+              <a:buClr>
+                <a:schemeClr val="tx1"/>
+              </a:buClr>
             </a:pPr>
             <a:r>
               <a:rPr lang="en-GB" sz="1100" b="1" dirty="0"/>
@@ -11774,19 +11797,35 @@
             </a:r>
             <a:r>
               <a:rPr lang="en-GB" sz="1100" dirty="0"/>
-              <a:t>for the next n days based on the historical values available up to day </a:t>
+              <a:t>for the next n days </a:t>
+            </a:r>
+            <a:r>
+              <a:rPr lang="en-GB" sz="1100" i="1" dirty="0"/>
+              <a:t>i+1, … </a:t>
+            </a:r>
+            <a:r>
+              <a:rPr lang="en-GB" sz="1100" i="1" dirty="0" err="1"/>
+              <a:t>i+n</a:t>
+            </a:r>
+            <a:r>
+              <a:rPr lang="en-GB" sz="1100" dirty="0"/>
+              <a:t> based on the historical values available up to day </a:t>
             </a:r>
             <a:r>
               <a:rPr lang="en-GB" sz="1100" i="1" dirty="0" err="1"/>
               <a:t>i</a:t>
             </a:r>
-            <a:endParaRPr lang="en-GB" sz="1100" i="1" dirty="0"/>
+            <a:r>
+              <a:rPr lang="en-GB" sz="1100" i="1" dirty="0"/>
+              <a:t>.</a:t>
+            </a:r>
           </a:p>
           <a:p>
             <a:pPr>
               <a:lnSpc>
                 <a:spcPct val="90000"/>
               </a:lnSpc>
+              <a:buClrTx/>
             </a:pPr>
             <a:r>
               <a:rPr lang="en-GB" sz="1100" b="1" dirty="0"/>
@@ -11795,19 +11834,30 @@
             <a:endParaRPr lang="en-GB" sz="1100" dirty="0"/>
           </a:p>
           <a:p>
-            <a:pPr marL="0" indent="0">
+            <a:pPr>
               <a:lnSpc>
                 <a:spcPct val="90000"/>
               </a:lnSpc>
               <a:buClr>
-                <a:srgbClr val="EBEBEB">
-                  <a:lumMod val="40000"/>
-                  <a:lumOff val="60000"/>
-                </a:srgbClr>
+                <a:srgbClr val="FF0000"/>
               </a:buClr>
-              <a:buNone/>
+              <a:buFont typeface="Wingdings" panose="05000000000000000000" pitchFamily="2" charset="2"/>
+              <a:buChar char="§"/>
               <a:defRPr/>
             </a:pPr>
+            <a:r>
+              <a:rPr kumimoji="0" lang="en-GB" sz="1100" i="0" u="none" strike="noStrike" kern="1200" cap="none" spc="0" normalizeH="0" baseline="0" noProof="0" dirty="0">
+                <a:ln>
+                  <a:noFill/>
+                </a:ln>
+                <a:effectLst/>
+                <a:uLnTx/>
+                <a:uFillTx/>
+                <a:ea typeface="+mj-ea"/>
+                <a:cs typeface="+mj-cs"/>
+              </a:rPr>
+              <a:t>Features</a:t>
+            </a:r>
             <a:r>
               <a:rPr kumimoji="0" lang="en-GB" sz="1100" b="0" i="0" u="none" strike="noStrike" kern="1200" cap="none" spc="0" normalizeH="0" baseline="0" noProof="0" dirty="0">
                 <a:ln>
@@ -11819,10 +11869,10 @@
                 <a:ea typeface="+mj-ea"/>
                 <a:cs typeface="+mj-cs"/>
               </a:rPr>
-              <a:t>Features consist historical variables </a:t>
-            </a:r>
-            <a:r>
-              <a:rPr kumimoji="0" lang="en-GB" sz="1100" b="1" i="0" u="none" strike="noStrike" kern="1200" cap="none" spc="0" normalizeH="0" baseline="0" noProof="0" dirty="0">
+              <a:t> consist historical variables </a:t>
+            </a:r>
+            <a:r>
+              <a:rPr kumimoji="0" lang="en-GB" sz="1100" i="1" u="none" strike="noStrike" kern="1200" cap="none" spc="0" normalizeH="0" baseline="0" noProof="0" dirty="0">
                 <a:ln>
                   <a:noFill/>
                 </a:ln>
@@ -11835,7 +11885,7 @@
               <a:t>‘</a:t>
             </a:r>
             <a:r>
-              <a:rPr kumimoji="0" lang="en-GB" sz="1100" b="1" i="0" u="none" strike="noStrike" kern="1200" cap="none" spc="0" normalizeH="0" baseline="0" noProof="0" dirty="0" err="1">
+              <a:rPr kumimoji="0" lang="en-GB" sz="1100" i="1" u="none" strike="noStrike" kern="1200" cap="none" spc="0" normalizeH="0" baseline="0" noProof="0" dirty="0" err="1">
                 <a:ln>
                   <a:noFill/>
                 </a:ln>
@@ -11848,7 +11898,7 @@
               <a:t>courier_partner_online</a:t>
             </a:r>
             <a:r>
-              <a:rPr kumimoji="0" lang="en-GB" sz="1100" b="1" i="0" u="none" strike="noStrike" kern="1200" cap="none" spc="0" normalizeH="0" baseline="0" noProof="0" dirty="0">
+              <a:rPr kumimoji="0" lang="en-GB" sz="1100" i="1" u="none" strike="noStrike" kern="1200" cap="none" spc="0" normalizeH="0" baseline="0" noProof="0" dirty="0">
                 <a:ln>
                   <a:noFill/>
                 </a:ln>
@@ -11861,21 +11911,29 @@
               <a:t>’ ‘temperature’, ‘precipitation’, ‘day_of_week_0’, … ‘day_of_week_6’</a:t>
             </a:r>
             <a:r>
-              <a:rPr kumimoji="0" lang="en-GB" sz="1100" b="0" i="0" u="none" strike="noStrike" kern="1200" cap="none" spc="0" normalizeH="0" noProof="0" dirty="0">
-                <a:ln>
-                  <a:noFill/>
-                </a:ln>
-                <a:effectLst/>
-                <a:uLnTx/>
-                <a:uFillTx/>
-                <a:ea typeface="+mj-ea"/>
-                <a:cs typeface="+mj-cs"/>
-              </a:rPr>
-              <a:t> for the number of </a:t>
+              <a:rPr lang="en-GB" sz="1100" i="1" dirty="0"/>
+              <a:t>.</a:t>
+            </a:r>
+          </a:p>
+          <a:p>
+            <a:pPr>
+              <a:lnSpc>
+                <a:spcPct val="90000"/>
+              </a:lnSpc>
+              <a:buClr>
+                <a:srgbClr val="FF0000"/>
+              </a:buClr>
+              <a:buFont typeface="Wingdings" panose="05000000000000000000" pitchFamily="2" charset="2"/>
+              <a:buChar char="§"/>
+              <a:defRPr/>
+            </a:pPr>
+            <a:r>
+              <a:rPr lang="en-GB" sz="1100" baseline="0" dirty="0"/>
+              <a:t>L</a:t>
             </a:r>
             <a:r>
               <a:rPr lang="en-GB" sz="1100" dirty="0"/>
-              <a:t>‘</a:t>
+              <a:t>ook-back window size: ‘</a:t>
             </a:r>
             <a:r>
               <a:rPr lang="en-GB" sz="1100" i="1" dirty="0" err="1"/>
@@ -11883,20 +11941,7 @@
             </a:r>
             <a:r>
               <a:rPr lang="en-GB" sz="1100" dirty="0"/>
-              <a:t>’ </a:t>
-            </a:r>
-            <a:r>
-              <a:rPr kumimoji="0" lang="en-GB" sz="1100" b="0" i="0" u="none" strike="noStrike" kern="1200" cap="none" spc="0" normalizeH="0" noProof="0" dirty="0">
-                <a:ln>
-                  <a:noFill/>
-                </a:ln>
-                <a:effectLst/>
-                <a:uLnTx/>
-                <a:uFillTx/>
-                <a:ea typeface="+mj-ea"/>
-                <a:cs typeface="+mj-cs"/>
-              </a:rPr>
-              <a:t> preceding days. </a:t>
+              <a:t>’ parameter controls number of preceding days to be used as features. </a:t>
             </a:r>
             <a:r>
               <a:rPr kumimoji="0" lang="en-GB" sz="1100" b="0" i="0" u="none" strike="noStrike" kern="1200" cap="none" spc="0" normalizeH="0" baseline="0" noProof="0" dirty="0">
@@ -11909,21 +11954,35 @@
                 <a:ea typeface="+mj-ea"/>
                 <a:cs typeface="+mj-cs"/>
               </a:rPr>
-              <a:t>In total there are 10 different variables. The number of preceding days (‘</a:t>
-            </a:r>
-            <a:r>
-              <a:rPr kumimoji="0" lang="en-GB" sz="1100" b="0" i="1" u="none" strike="noStrike" kern="1200" cap="none" spc="0" normalizeH="0" baseline="0" noProof="0" dirty="0" err="1">
-                <a:ln>
-                  <a:noFill/>
-                </a:ln>
-                <a:effectLst/>
-                <a:uLnTx/>
-                <a:uFillTx/>
-                <a:ea typeface="+mj-ea"/>
-                <a:cs typeface="+mj-cs"/>
-              </a:rPr>
-              <a:t>train_days</a:t>
-            </a:r>
+              <a:t>We take typically 40 days to describe both small- and meso-time scales </a:t>
+            </a:r>
+            <a:r>
+              <a:rPr lang="en-GB" sz="1100" dirty="0"/>
+              <a:t>like season variability. </a:t>
+            </a:r>
+            <a:endParaRPr kumimoji="0" lang="en-GB" sz="1100" b="0" i="0" u="none" strike="noStrike" kern="1200" cap="none" spc="0" normalizeH="0" baseline="0" noProof="0" dirty="0">
+              <a:ln>
+                <a:noFill/>
+              </a:ln>
+              <a:effectLst/>
+              <a:uLnTx/>
+              <a:uFillTx/>
+              <a:ea typeface="+mj-ea"/>
+              <a:cs typeface="+mj-cs"/>
+            </a:endParaRPr>
+          </a:p>
+          <a:p>
+            <a:pPr>
+              <a:lnSpc>
+                <a:spcPct val="90000"/>
+              </a:lnSpc>
+              <a:buClr>
+                <a:srgbClr val="FF0000"/>
+              </a:buClr>
+              <a:buFont typeface="Wingdings" panose="05000000000000000000" pitchFamily="2" charset="2"/>
+              <a:buChar char="§"/>
+              <a:defRPr/>
+            </a:pPr>
             <a:r>
               <a:rPr kumimoji="0" lang="en-GB" sz="1100" b="0" i="0" u="none" strike="noStrike" kern="1200" cap="none" spc="0" normalizeH="0" baseline="0" noProof="0" dirty="0">
                 <a:ln>
@@ -11935,39 +11994,10 @@
                 <a:ea typeface="+mj-ea"/>
                 <a:cs typeface="+mj-cs"/>
               </a:rPr>
-              <a:t>’) can be different. We take it to be 40 days. It describes both small- and meso-time scales </a:t>
-            </a:r>
-            <a:r>
-              <a:rPr lang="en-GB" sz="1100" dirty="0"/>
-              <a:t>like season variability.</a:t>
-            </a:r>
-            <a:endParaRPr kumimoji="0" lang="en-GB" sz="1100" b="0" i="0" u="none" strike="noStrike" kern="1200" cap="none" spc="0" normalizeH="0" baseline="0" noProof="0" dirty="0">
-              <a:ln>
-                <a:noFill/>
-              </a:ln>
-              <a:effectLst/>
-              <a:uLnTx/>
-              <a:uFillTx/>
-              <a:ea typeface="+mj-ea"/>
-              <a:cs typeface="+mj-cs"/>
-            </a:endParaRPr>
-          </a:p>
-          <a:p>
-            <a:pPr marL="0" indent="0">
-              <a:lnSpc>
-                <a:spcPct val="90000"/>
-              </a:lnSpc>
-              <a:buClr>
-                <a:srgbClr val="EBEBEB">
-                  <a:lumMod val="40000"/>
-                  <a:lumOff val="60000"/>
-                </a:srgbClr>
-              </a:buClr>
-              <a:buNone/>
-              <a:defRPr/>
-            </a:pPr>
-            <a:r>
-              <a:rPr kumimoji="0" lang="en-GB" sz="1100" b="0" i="0" u="none" strike="noStrike" kern="1200" cap="none" spc="0" normalizeH="0" baseline="0" noProof="0" dirty="0">
+              <a:t>With 10 feature and 40 preceding days</a:t>
+            </a:r>
+            <a:r>
+              <a:rPr kumimoji="0" lang="en-GB" sz="1100" i="0" u="none" strike="noStrike" kern="1200" cap="none" spc="0" normalizeH="0" baseline="0" noProof="0" dirty="0">
                 <a:ln>
                   <a:noFill/>
                 </a:ln>
@@ -11977,10 +12007,41 @@
                 <a:ea typeface="+mj-ea"/>
                 <a:cs typeface="+mj-cs"/>
               </a:rPr>
-              <a:t>Since we use 10 feature and 40 preceding days, </a:t>
-            </a:r>
-            <a:r>
-              <a:rPr kumimoji="0" lang="en-GB" sz="1100" b="1" i="0" u="none" strike="noStrike" kern="1200" cap="none" spc="0" normalizeH="0" baseline="0" noProof="0" dirty="0">
+              <a:t>, the total number of features is 400. </a:t>
+            </a:r>
+          </a:p>
+          <a:p>
+            <a:pPr>
+              <a:lnSpc>
+                <a:spcPct val="90000"/>
+              </a:lnSpc>
+              <a:buClr>
+                <a:schemeClr val="tx1"/>
+              </a:buClr>
+              <a:defRPr/>
+            </a:pPr>
+            <a:r>
+              <a:rPr lang="en-GB" sz="1100" b="1" dirty="0"/>
+              <a:t>Additional features</a:t>
+            </a:r>
+          </a:p>
+          <a:p>
+            <a:pPr marL="0" indent="0">
+              <a:lnSpc>
+                <a:spcPct val="90000"/>
+              </a:lnSpc>
+              <a:buClr>
+                <a:schemeClr val="tx1"/>
+              </a:buClr>
+              <a:buNone/>
+              <a:defRPr/>
+            </a:pPr>
+            <a:r>
+              <a:rPr lang="en-GB" sz="1100" dirty="0"/>
+              <a:t>In the notebooks you can experiment adding more features such as </a:t>
+            </a:r>
+            <a:r>
+              <a:rPr kumimoji="0" lang="en-GB" sz="1100" i="1" u="none" strike="noStrike" kern="1200" cap="none" spc="0" normalizeH="0" baseline="0" noProof="0" dirty="0">
                 <a:ln>
                   <a:noFill/>
                 </a:ln>
@@ -11990,9 +12051,104 @@
                 <a:ea typeface="+mj-ea"/>
                 <a:cs typeface="+mj-cs"/>
               </a:rPr>
-              <a:t>the total number of features is 400.</a:t>
-            </a:r>
-            <a:endParaRPr lang="en-GB" sz="1100" b="1" dirty="0"/>
+              <a:t>‘date’, </a:t>
+            </a:r>
+            <a:r>
+              <a:rPr kumimoji="0" lang="en-GB" sz="1100" i="0" u="none" strike="noStrike" kern="1200" cap="none" spc="0" normalizeH="0" baseline="0" noProof="0" dirty="0">
+                <a:ln>
+                  <a:noFill/>
+                </a:ln>
+                <a:effectLst/>
+                <a:uLnTx/>
+                <a:uFillTx/>
+                <a:ea typeface="+mj-ea"/>
+                <a:cs typeface="+mj-cs"/>
+              </a:rPr>
+              <a:t>periodic </a:t>
+            </a:r>
+            <a:r>
+              <a:rPr kumimoji="0" lang="en-GB" sz="1100" i="1" u="none" strike="noStrike" kern="1200" cap="none" spc="0" normalizeH="0" baseline="0" noProof="0" dirty="0">
+                <a:ln>
+                  <a:noFill/>
+                </a:ln>
+                <a:effectLst/>
+                <a:uLnTx/>
+                <a:uFillTx/>
+                <a:ea typeface="+mj-ea"/>
+                <a:cs typeface="+mj-cs"/>
+              </a:rPr>
+              <a:t>‘</a:t>
+            </a:r>
+            <a:r>
+              <a:rPr kumimoji="0" lang="en-GB" sz="1100" i="1" u="none" strike="noStrike" kern="1200" cap="none" spc="0" normalizeH="0" baseline="0" noProof="0" dirty="0" err="1">
+                <a:ln>
+                  <a:noFill/>
+                </a:ln>
+                <a:effectLst/>
+                <a:uLnTx/>
+                <a:uFillTx/>
+                <a:ea typeface="+mj-ea"/>
+                <a:cs typeface="+mj-cs"/>
+              </a:rPr>
+              <a:t>day_of_year</a:t>
+            </a:r>
+            <a:r>
+              <a:rPr kumimoji="0" lang="en-GB" sz="1100" i="1" u="none" strike="noStrike" kern="1200" cap="none" spc="0" normalizeH="0" baseline="0" noProof="0" dirty="0">
+                <a:ln>
+                  <a:noFill/>
+                </a:ln>
+                <a:effectLst/>
+                <a:uLnTx/>
+                <a:uFillTx/>
+                <a:ea typeface="+mj-ea"/>
+                <a:cs typeface="+mj-cs"/>
+              </a:rPr>
+              <a:t>’, ‘</a:t>
+            </a:r>
+            <a:r>
+              <a:rPr kumimoji="0" lang="en-GB" sz="1100" i="1" u="none" strike="noStrike" kern="1200" cap="none" spc="0" normalizeH="0" baseline="0" noProof="0" dirty="0" err="1">
+                <a:ln>
+                  <a:noFill/>
+                </a:ln>
+                <a:effectLst/>
+                <a:uLnTx/>
+                <a:uFillTx/>
+                <a:ea typeface="+mj-ea"/>
+                <a:cs typeface="+mj-cs"/>
+              </a:rPr>
+              <a:t>day_of</a:t>
+            </a:r>
+            <a:r>
+              <a:rPr kumimoji="0" lang="en-GB" sz="1100" i="1" u="none" strike="noStrike" kern="1200" cap="none" spc="0" normalizeH="0" baseline="0" noProof="0" dirty="0">
+                <a:ln>
+                  <a:noFill/>
+                </a:ln>
+                <a:effectLst/>
+                <a:uLnTx/>
+                <a:uFillTx/>
+                <a:ea typeface="+mj-ea"/>
+                <a:cs typeface="+mj-cs"/>
+              </a:rPr>
+              <a:t>_</a:t>
+            </a:r>
+            <a:r>
+              <a:rPr lang="en-GB" sz="1100" i="1" dirty="0"/>
+              <a:t>week</a:t>
+            </a:r>
+            <a:r>
+              <a:rPr kumimoji="0" lang="en-GB" sz="1100" i="1" u="none" strike="noStrike" kern="1200" cap="none" spc="0" normalizeH="0" baseline="0" noProof="0" dirty="0">
+                <a:ln>
+                  <a:noFill/>
+                </a:ln>
+                <a:effectLst/>
+                <a:uLnTx/>
+                <a:uFillTx/>
+                <a:ea typeface="+mj-ea"/>
+                <a:cs typeface="+mj-cs"/>
+              </a:rPr>
+              <a:t>’.</a:t>
+            </a:r>
+            <a:endParaRPr lang="en-GB" sz="1100" i="1" dirty="0"/>
           </a:p>
         </p:txBody>
       </p:sp>
@@ -15294,8 +15450,8 @@
         </p:nvSpPr>
         <p:spPr>
           <a:xfrm>
-            <a:off x="5231245" y="4167838"/>
-            <a:ext cx="3780613" cy="892552"/>
+            <a:off x="5194785" y="4069772"/>
+            <a:ext cx="3780613" cy="1092607"/>
           </a:xfrm>
           <a:prstGeom prst="rect">
             <a:avLst/>
@@ -15403,7 +15559,7 @@
             </a:r>
             <a:r>
               <a:rPr lang="en-GB" altLang="en-FI" sz="1300" dirty="0"/>
-              <a:t>errors fluctuate </a:t>
+              <a:t>errors fluctuate. Metrics can vary from run to run</a:t>
             </a:r>
             <a:endParaRPr kumimoji="0" lang="en-GB" altLang="en-FI" sz="1300" b="0" i="0" u="none" strike="noStrike" cap="none" normalizeH="0" baseline="0" dirty="0">
               <a:ln>
@@ -16657,31 +16813,55 @@
         </p:nvSpPr>
         <p:spPr>
           <a:xfrm>
-            <a:off x="827484" y="2072640"/>
-            <a:ext cx="6709905" cy="2613659"/>
+            <a:off x="117525" y="1925695"/>
+            <a:ext cx="8721676" cy="2613659"/>
           </a:xfrm>
         </p:spPr>
         <p:txBody>
           <a:bodyPr>
-            <a:normAutofit/>
+            <a:normAutofit fontScale="92500"/>
           </a:bodyPr>
           <a:lstStyle/>
           <a:p>
-            <a:pPr marL="0" lvl="0" indent="0">
-              <a:buNone/>
+            <a:pPr>
+              <a:lnSpc>
+                <a:spcPct val="124000"/>
+              </a:lnSpc>
+              <a:buClr>
+                <a:schemeClr val="tx1"/>
+              </a:buClr>
             </a:pPr>
             <a:r>
               <a:rPr lang="en-GB" dirty="0"/>
-              <a:t>Both LSTM and Linear Regression models predict courier numbers for the next day and up to 20 days ahead, with RMSE, SNR, and R-squared metrics showing decent performance (R-squared ~0.2-0.3). For the Next-Day task, both models perform similarly, while LSTM slightly outperforms for the Multiple-Day task. </a:t>
-            </a:r>
-          </a:p>
-          <a:p>
-            <a:pPr marL="0" lvl="0" indent="0">
-              <a:buNone/>
+              <a:t>Both LSTM and Linear Regression models predict courier numbers for the Next Day and for Multiple Days ahead based on the historical features.</a:t>
+            </a:r>
+          </a:p>
+          <a:p>
+            <a:pPr>
+              <a:lnSpc>
+                <a:spcPct val="124000"/>
+              </a:lnSpc>
+              <a:buClr>
+                <a:schemeClr val="tx1"/>
+              </a:buClr>
             </a:pPr>
             <a:r>
               <a:rPr lang="en-GB" dirty="0"/>
-              <a:t>However, LSTM performance depends on hyperparameters like batch size. For Multiple-Day task LSTM model overfits. Future improvements can focus on hyperparameter optimization and expanding the time series dataset to further enhance performance.</a:t>
+              <a:t>For both tasks metrics RMSE, SNR, and R-squared show decent performance (R-squared ~0.2-0.3). For the Next-Day task, both models perform similarly, while Linear Regression slightly outperforms for the Multiple-Day task. </a:t>
+            </a:r>
+          </a:p>
+          <a:p>
+            <a:pPr>
+              <a:lnSpc>
+                <a:spcPct val="124000"/>
+              </a:lnSpc>
+              <a:buClr>
+                <a:schemeClr val="tx1"/>
+              </a:buClr>
+            </a:pPr>
+            <a:r>
+              <a:rPr lang="en-GB" dirty="0"/>
+              <a:t>LSTM performance depends on hyperparameters like batch size and early stopping. For Multiple-Day task LSTM model overfits. Future improvements can focus on hyperparameter optimization and expanding the time series dataset to further enhance performance.</a:t>
             </a:r>
             <a:endParaRPr dirty="0"/>
           </a:p>

--- a/reports/Report.pptx
+++ b/reports/Report.pptx
@@ -215,7 +215,7 @@
           <a:p>
             <a:fld id="{74692523-F397-4340-B4E5-BE191A905504}" type="datetimeFigureOut">
               <a:rPr lang="en-FI" smtClean="0"/>
-              <a:t>25/01/2025</a:t>
+              <a:t>26/01/2025</a:t>
             </a:fld>
             <a:endParaRPr lang="en-FI"/>
           </a:p>
@@ -753,7 +753,7 @@
           <a:p>
             <a:fld id="{241EB5C9-1307-BA42-ABA2-0BC069CD8E7F}" type="datetimeFigureOut">
               <a:rPr lang="en-US" smtClean="0"/>
-              <a:t>1/25/2025</a:t>
+              <a:t>1/26/2025</a:t>
             </a:fld>
             <a:endParaRPr lang="en-US"/>
           </a:p>
@@ -1028,7 +1028,7 @@
           <a:p>
             <a:fld id="{241EB5C9-1307-BA42-ABA2-0BC069CD8E7F}" type="datetimeFigureOut">
               <a:rPr lang="en-US" smtClean="0"/>
-              <a:t>1/25/2025</a:t>
+              <a:t>1/26/2025</a:t>
             </a:fld>
             <a:endParaRPr lang="en-US"/>
           </a:p>
@@ -1222,7 +1222,7 @@
           <a:p>
             <a:fld id="{241EB5C9-1307-BA42-ABA2-0BC069CD8E7F}" type="datetimeFigureOut">
               <a:rPr lang="en-US" smtClean="0"/>
-              <a:t>1/25/2025</a:t>
+              <a:t>1/26/2025</a:t>
             </a:fld>
             <a:endParaRPr lang="en-US"/>
           </a:p>
@@ -1495,7 +1495,7 @@
           <a:p>
             <a:fld id="{241EB5C9-1307-BA42-ABA2-0BC069CD8E7F}" type="datetimeFigureOut">
               <a:rPr lang="en-US" smtClean="0"/>
-              <a:t>1/25/2025</a:t>
+              <a:t>1/26/2025</a:t>
             </a:fld>
             <a:endParaRPr lang="en-US"/>
           </a:p>
@@ -1836,7 +1836,7 @@
           <a:p>
             <a:fld id="{241EB5C9-1307-BA42-ABA2-0BC069CD8E7F}" type="datetimeFigureOut">
               <a:rPr lang="en-US" smtClean="0"/>
-              <a:t>1/25/2025</a:t>
+              <a:t>1/26/2025</a:t>
             </a:fld>
             <a:endParaRPr lang="en-US"/>
           </a:p>
@@ -2459,7 +2459,7 @@
           <a:p>
             <a:fld id="{241EB5C9-1307-BA42-ABA2-0BC069CD8E7F}" type="datetimeFigureOut">
               <a:rPr lang="en-US" smtClean="0"/>
-              <a:t>1/25/2025</a:t>
+              <a:t>1/26/2025</a:t>
             </a:fld>
             <a:endParaRPr lang="en-US"/>
           </a:p>
@@ -3319,7 +3319,7 @@
           <a:p>
             <a:fld id="{241EB5C9-1307-BA42-ABA2-0BC069CD8E7F}" type="datetimeFigureOut">
               <a:rPr lang="en-US" smtClean="0"/>
-              <a:t>1/25/2025</a:t>
+              <a:t>1/26/2025</a:t>
             </a:fld>
             <a:endParaRPr lang="en-US"/>
           </a:p>
@@ -3489,7 +3489,7 @@
           <a:p>
             <a:fld id="{241EB5C9-1307-BA42-ABA2-0BC069CD8E7F}" type="datetimeFigureOut">
               <a:rPr lang="en-US" smtClean="0"/>
-              <a:t>1/25/2025</a:t>
+              <a:t>1/26/2025</a:t>
             </a:fld>
             <a:endParaRPr lang="en-US"/>
           </a:p>
@@ -3669,7 +3669,7 @@
           <a:p>
             <a:fld id="{241EB5C9-1307-BA42-ABA2-0BC069CD8E7F}" type="datetimeFigureOut">
               <a:rPr lang="en-US" smtClean="0"/>
-              <a:t>1/25/2025</a:t>
+              <a:t>1/26/2025</a:t>
             </a:fld>
             <a:endParaRPr lang="en-US"/>
           </a:p>
@@ -3839,7 +3839,7 @@
           <a:p>
             <a:fld id="{241EB5C9-1307-BA42-ABA2-0BC069CD8E7F}" type="datetimeFigureOut">
               <a:rPr lang="en-US" smtClean="0"/>
-              <a:t>1/25/2025</a:t>
+              <a:t>1/26/2025</a:t>
             </a:fld>
             <a:endParaRPr lang="en-US"/>
           </a:p>
@@ -4086,7 +4086,7 @@
           <a:p>
             <a:fld id="{241EB5C9-1307-BA42-ABA2-0BC069CD8E7F}" type="datetimeFigureOut">
               <a:rPr lang="en-US" smtClean="0"/>
-              <a:t>1/25/2025</a:t>
+              <a:t>1/26/2025</a:t>
             </a:fld>
             <a:endParaRPr lang="en-US"/>
           </a:p>
@@ -4378,7 +4378,7 @@
           <a:p>
             <a:fld id="{241EB5C9-1307-BA42-ABA2-0BC069CD8E7F}" type="datetimeFigureOut">
               <a:rPr lang="en-US" smtClean="0"/>
-              <a:t>1/25/2025</a:t>
+              <a:t>1/26/2025</a:t>
             </a:fld>
             <a:endParaRPr lang="en-US"/>
           </a:p>
@@ -4822,7 +4822,7 @@
           <a:p>
             <a:fld id="{241EB5C9-1307-BA42-ABA2-0BC069CD8E7F}" type="datetimeFigureOut">
               <a:rPr lang="en-US" smtClean="0"/>
-              <a:t>1/25/2025</a:t>
+              <a:t>1/26/2025</a:t>
             </a:fld>
             <a:endParaRPr lang="en-US"/>
           </a:p>
@@ -4940,7 +4940,7 @@
           <a:p>
             <a:fld id="{241EB5C9-1307-BA42-ABA2-0BC069CD8E7F}" type="datetimeFigureOut">
               <a:rPr lang="en-US" smtClean="0"/>
-              <a:t>1/25/2025</a:t>
+              <a:t>1/26/2025</a:t>
             </a:fld>
             <a:endParaRPr lang="en-US"/>
           </a:p>
@@ -5035,7 +5035,7 @@
           <a:p>
             <a:fld id="{241EB5C9-1307-BA42-ABA2-0BC069CD8E7F}" type="datetimeFigureOut">
               <a:rPr lang="en-US" smtClean="0"/>
-              <a:t>1/25/2025</a:t>
+              <a:t>1/26/2025</a:t>
             </a:fld>
             <a:endParaRPr lang="en-US"/>
           </a:p>
@@ -5314,7 +5314,7 @@
           <a:p>
             <a:fld id="{241EB5C9-1307-BA42-ABA2-0BC069CD8E7F}" type="datetimeFigureOut">
               <a:rPr lang="en-US" smtClean="0"/>
-              <a:t>1/25/2025</a:t>
+              <a:t>1/26/2025</a:t>
             </a:fld>
             <a:endParaRPr lang="en-US"/>
           </a:p>
@@ -5589,7 +5589,7 @@
           <a:p>
             <a:fld id="{241EB5C9-1307-BA42-ABA2-0BC069CD8E7F}" type="datetimeFigureOut">
               <a:rPr lang="en-US" smtClean="0"/>
-              <a:t>1/25/2025</a:t>
+              <a:t>1/26/2025</a:t>
             </a:fld>
             <a:endParaRPr lang="en-US"/>
           </a:p>
@@ -6018,7 +6018,7 @@
           <a:p>
             <a:fld id="{241EB5C9-1307-BA42-ABA2-0BC069CD8E7F}" type="datetimeFigureOut">
               <a:rPr lang="en-US" smtClean="0"/>
-              <a:t>1/25/2025</a:t>
+              <a:t>1/26/2025</a:t>
             </a:fld>
             <a:endParaRPr lang="en-US"/>
           </a:p>
@@ -10442,8 +10442,8 @@
           </a:p>
         </p:txBody>
       </p:sp>
-      <mc:AlternateContent xmlns:mc="http://schemas.openxmlformats.org/markup-compatibility/2006">
-        <mc:Choice xmlns:a14="http://schemas.microsoft.com/office/drawing/2010/main" Requires="a14">
+      <mc:AlternateContent xmlns:mc="http://schemas.openxmlformats.org/markup-compatibility/2006" xmlns:a14="http://schemas.microsoft.com/office/drawing/2010/main">
+        <mc:Choice Requires="a14">
           <p:sp>
             <p:nvSpPr>
               <p:cNvPr id="4" name="Text Placeholder 3"/>
@@ -10581,7 +10581,7 @@
             </p:txBody>
           </p:sp>
         </mc:Choice>
-        <mc:Fallback>
+        <mc:Fallback xmlns="">
           <p:sp>
             <p:nvSpPr>
               <p:cNvPr id="4" name="Text Placeholder 3"/>
@@ -11869,7 +11869,7 @@
                 <a:ea typeface="+mj-ea"/>
                 <a:cs typeface="+mj-cs"/>
               </a:rPr>
-              <a:t> consist historical variables </a:t>
+              <a:t> consist of historical variables </a:t>
             </a:r>
             <a:r>
               <a:rPr kumimoji="0" lang="en-GB" sz="1100" i="1" u="none" strike="noStrike" kern="1200" cap="none" spc="0" normalizeH="0" baseline="0" noProof="0" dirty="0">
